--- a/КакТак!.pptx
+++ b/КакТак!.pptx
@@ -13,7 +13,8 @@
     <p:sldId id="261" r:id="rId7"/>
     <p:sldId id="262" r:id="rId8"/>
     <p:sldId id="263" r:id="rId9"/>
-    <p:sldId id="264" r:id="rId10"/>
+    <p:sldId id="265" r:id="rId10"/>
+    <p:sldId id="264" r:id="rId11"/>
   </p:sldIdLst>
   <p:sldSz cx="12192000" cy="6858000"/>
   <p:notesSz cx="6858000" cy="9144000"/>
@@ -6114,6 +6115,72 @@
 </p:sld>
 </file>
 
+<file path=ppt/slides/slide10.xml><?xml version="1.0" encoding="utf-8"?>
+<p:sld xmlns:a="http://schemas.openxmlformats.org/drawingml/2006/main" xmlns:r="http://schemas.openxmlformats.org/officeDocument/2006/relationships" xmlns:p="http://schemas.openxmlformats.org/presentationml/2006/main">
+  <p:cSld>
+    <p:spTree>
+      <p:nvGrpSpPr>
+        <p:cNvPr id="1" name=""/>
+        <p:cNvGrpSpPr/>
+        <p:nvPr/>
+      </p:nvGrpSpPr>
+      <p:grpSpPr>
+        <a:xfrm>
+          <a:off x="0" y="0"/>
+          <a:ext cx="0" cy="0"/>
+          <a:chOff x="0" y="0"/>
+          <a:chExt cx="0" cy="0"/>
+        </a:xfrm>
+      </p:grpSpPr>
+      <p:sp>
+        <p:nvSpPr>
+          <p:cNvPr id="2" name="Заголовок 1"/>
+          <p:cNvSpPr>
+            <a:spLocks noGrp="1"/>
+          </p:cNvSpPr>
+          <p:nvPr>
+            <p:ph type="title"/>
+          </p:nvPr>
+        </p:nvSpPr>
+        <p:spPr>
+          <a:xfrm>
+            <a:off x="0" y="2466575"/>
+            <a:ext cx="12191999" cy="1400530"/>
+          </a:xfrm>
+        </p:spPr>
+        <p:txBody>
+          <a:bodyPr/>
+          <a:lstStyle/>
+          <a:p>
+            <a:pPr algn="ctr"/>
+            <a:r>
+              <a:rPr lang="ru-RU" dirty="0" smtClean="0"/>
+              <a:t>Спасибо за внимание</a:t>
+            </a:r>
+            <a:endParaRPr lang="ru-RU" dirty="0"/>
+          </a:p>
+        </p:txBody>
+      </p:sp>
+    </p:spTree>
+    <p:extLst>
+      <p:ext uri="{BB962C8B-B14F-4D97-AF65-F5344CB8AC3E}">
+        <p14:creationId xmlns:p14="http://schemas.microsoft.com/office/powerpoint/2010/main" val="3927236562"/>
+      </p:ext>
+    </p:extLst>
+  </p:cSld>
+  <p:clrMapOvr>
+    <a:masterClrMapping/>
+  </p:clrMapOvr>
+  <p:timing>
+    <p:tnLst>
+      <p:par>
+        <p:cTn id="1" dur="indefinite" restart="never" nodeType="tmRoot"/>
+      </p:par>
+    </p:tnLst>
+  </p:timing>
+</p:sld>
+</file>
+
 <file path=ppt/slides/slide2.xml><?xml version="1.0" encoding="utf-8"?>
 <p:sld xmlns:a="http://schemas.openxmlformats.org/drawingml/2006/main" xmlns:r="http://schemas.openxmlformats.org/officeDocument/2006/relationships" xmlns:p="http://schemas.openxmlformats.org/presentationml/2006/main">
   <p:cSld>
@@ -7020,31 +7087,81 @@
         </p:nvSpPr>
         <p:spPr>
           <a:xfrm>
-            <a:off x="0" y="2466575"/>
-            <a:ext cx="12191999" cy="1400530"/>
+            <a:off x="1103312" y="452718"/>
+            <a:ext cx="8947522" cy="1400530"/>
           </a:xfrm>
         </p:spPr>
         <p:txBody>
           <a:bodyPr/>
           <a:lstStyle/>
           <a:p>
-            <a:pPr algn="ctr"/>
             <a:r>
               <a:rPr lang="ru-RU" dirty="0" smtClean="0"/>
-              <a:t>Спасибо </a:t>
-            </a:r>
-            <a:r>
-              <a:rPr lang="ru-RU" smtClean="0"/>
-              <a:t>за внимание</a:t>
+              <a:t>Возможности развития</a:t>
             </a:r>
             <a:endParaRPr lang="ru-RU" dirty="0"/>
+          </a:p>
+        </p:txBody>
+      </p:sp>
+      <p:sp>
+        <p:nvSpPr>
+          <p:cNvPr id="3" name="Объект 2"/>
+          <p:cNvSpPr>
+            <a:spLocks noGrp="1"/>
+          </p:cNvSpPr>
+          <p:nvPr>
+            <p:ph idx="1"/>
+          </p:nvPr>
+        </p:nvSpPr>
+        <p:spPr/>
+        <p:txBody>
+          <a:bodyPr/>
+          <a:lstStyle/>
+          <a:p>
+            <a:pPr marL="0" indent="0">
+              <a:buNone/>
+            </a:pPr>
+            <a:r>
+              <a:rPr lang="ru-RU" dirty="0" smtClean="0"/>
+              <a:t>Сайт будет не трудно улучшать, он имеет все предпосылки для создания полноценным проектом с большой </a:t>
+            </a:r>
+            <a:r>
+              <a:rPr lang="ru-RU" dirty="0" err="1" smtClean="0"/>
+              <a:t>фанбазой</a:t>
+            </a:r>
+            <a:r>
+              <a:rPr lang="ru-RU" dirty="0" smtClean="0"/>
+              <a:t> на подобии </a:t>
+            </a:r>
+            <a:r>
+              <a:rPr lang="ru-RU" dirty="0" err="1" smtClean="0"/>
+              <a:t>пикабу</a:t>
+            </a:r>
+            <a:r>
+              <a:rPr lang="ru-RU" dirty="0" smtClean="0"/>
+              <a:t>. </a:t>
+            </a:r>
+          </a:p>
+          <a:p>
+            <a:pPr marL="0" indent="0">
+              <a:buNone/>
+            </a:pPr>
+            <a:r>
+              <a:rPr lang="ru-RU" dirty="0" smtClean="0"/>
+              <a:t>Уже есть список некоторых вещей, которые, освоив некоторые новые методы, можно </a:t>
+            </a:r>
+            <a:r>
+              <a:rPr lang="ru-RU" smtClean="0"/>
+              <a:t>будет реализовать</a:t>
+            </a:r>
+            <a:endParaRPr lang="ru-RU" dirty="0" smtClean="0"/>
           </a:p>
         </p:txBody>
       </p:sp>
     </p:spTree>
     <p:extLst>
       <p:ext uri="{BB962C8B-B14F-4D97-AF65-F5344CB8AC3E}">
-        <p14:creationId xmlns:p14="http://schemas.microsoft.com/office/powerpoint/2010/main" val="3927236562"/>
+        <p14:creationId xmlns:p14="http://schemas.microsoft.com/office/powerpoint/2010/main" val="2690477805"/>
       </p:ext>
     </p:extLst>
   </p:cSld>
